--- a/CalendarioAgo23/Presentaciones/7_5_Ruteo_dinamico_OSPF.pptx
+++ b/CalendarioAgo23/Presentaciones/7_5_Ruteo_dinamico_OSPF.pptx
@@ -265,7 +265,7 @@
             <a:fld id="{136337D9-3022-3D41-8D8A-BDF2F3B0DD8E}" type="datetimeFigureOut">
               <a:rPr lang="en-US" smtClean="0"/>
               <a:pPr/>
-              <a:t>3/15/2023</a:t>
+              <a:t>9/3/2023</a:t>
             </a:fld>
             <a:endParaRPr lang="es-ES" dirty="0"/>
           </a:p>
@@ -628,7 +628,7 @@
             </a:pPr>
             <a:r>
               <a:rPr lang="es-ES" b="0" dirty="0"/>
-              <a:t>Routing and Switching Essentials v6.0</a:t>
+              <a:t>ruteo and Switching Essentials v6.0</a:t>
             </a:r>
           </a:p>
           <a:p>
@@ -640,7 +640,7 @@
               <a:rPr lang="es-ES" sz="1200" dirty="0">
                 <a:latin typeface="Arial" charset="0"/>
               </a:rPr>
-              <a:t>Capítulo 3: Routing dinámico</a:t>
+              <a:t>Capítulo 3: ruteo dinámico</a:t>
             </a:r>
             <a:endParaRPr lang="es-ES" b="0" dirty="0"/>
           </a:p>
@@ -31436,7 +31436,7 @@
         </p:blipFill>
         <p:spPr>
           <a:xfrm>
-            <a:off x="480447" y="1952408"/>
+            <a:off x="486978" y="1952408"/>
             <a:ext cx="3407447" cy="2283811"/>
           </a:xfrm>
           <a:prstGeom prst="rect">
@@ -31798,8 +31798,38 @@
         </p:blipFill>
         <p:spPr>
           <a:xfrm>
-            <a:off x="1900641" y="2371079"/>
+            <a:off x="492724" y="2390673"/>
             <a:ext cx="5048250" cy="1238250"/>
+          </a:xfrm>
+          <a:prstGeom prst="rect">
+            <a:avLst/>
+          </a:prstGeom>
+        </p:spPr>
+      </p:pic>
+      <p:pic>
+        <p:nvPicPr>
+          <p:cNvPr id="3" name="Picture 1">
+            <a:extLst>
+              <a:ext uri="{FF2B5EF4-FFF2-40B4-BE49-F238E27FC236}">
+                <a16:creationId xmlns:a16="http://schemas.microsoft.com/office/drawing/2014/main" id="{783A6534-20EE-D6AD-1D1E-BC9D122A0E0F}"/>
+              </a:ext>
+            </a:extLst>
+          </p:cNvPr>
+          <p:cNvPicPr>
+            <a:picLocks noChangeAspect="1"/>
+          </p:cNvPicPr>
+          <p:nvPr/>
+        </p:nvPicPr>
+        <p:blipFill>
+          <a:blip r:embed="rId4"/>
+          <a:stretch>
+            <a:fillRect/>
+          </a:stretch>
+        </p:blipFill>
+        <p:spPr>
+          <a:xfrm>
+            <a:off x="5540974" y="2390673"/>
+            <a:ext cx="3407447" cy="2283811"/>
           </a:xfrm>
           <a:prstGeom prst="rect">
             <a:avLst/>
@@ -31875,14 +31905,14 @@
           <a:p>
             <a:r>
               <a:rPr lang="es-ES" dirty="0"/>
-              <a:t>La distancia administrativa se utiliza para determinar qué ruta se instala en la tabla de routing cuando la ruta se detecta de múltiples fuentes.</a:t>
+              <a:t>La distancia administrativa se utiliza para determinar qué ruta se instala en la tabla de ruteo cuando la ruta se detecta de múltiples fuentes.</a:t>
             </a:r>
           </a:p>
           <a:p>
             <a:pPr lvl="1"/>
             <a:r>
               <a:rPr lang="es-ES" dirty="0"/>
-              <a:t>La menor distancia administrativa es la que se agrega a la tabla de routing.</a:t>
+              <a:t>La menor distancia administrativa es la que se agrega a la tabla de ruteo.</a:t>
             </a:r>
           </a:p>
           <a:p>
@@ -32718,7 +32748,7 @@
           <a:ln/>
           <a:extLst>
             <a:ext uri="{FAA26D3D-D897-4be2-8F04-BA451C77F1D7}">
-              <ma14:placeholderFlag xmlns="" xmlns:o="urn:schemas-microsoft-com:office:office" xmlns:v="urn:schemas-microsoft-com:vml" xmlns:wp="http://schemas.openxmlformats.org/drawingml/2006/powerpointprocessingDrawing" xmlns:wne="http://schemas.microsoft.com/office/powerpoint/2006/powerpointml" xmlns:cdr="http://schemas.openxmlformats.org/drawingml/2006/chartDrawing" xmlns:dgm="http://schemas.openxmlformats.org/drawingml/2006/diagram" xmlns:c="http://schemas.openxmlformats.org/drawingml/2006/chart" xmlns:a14="http://schemas.microsoft.com/office/drawing/2010/main" xmlns:mc="http://schemas.openxmlformats.org/markup-compatibility/2006" xmlns:ma14="http://schemas.microsoft.com/office/mac/drawingml/2011/main" val="1"/>
+              <ma14:placeholderFlag xmlns:ma14="http://schemas.microsoft.com/office/mac/drawingml/2011/main" xmlns:mc="http://schemas.openxmlformats.org/markup-compatibility/2006" xmlns:a14="http://schemas.microsoft.com/office/drawing/2010/main" xmlns:c="http://schemas.openxmlformats.org/drawingml/2006/chart" xmlns:dgm="http://schemas.openxmlformats.org/drawingml/2006/diagram" xmlns:cdr="http://schemas.openxmlformats.org/drawingml/2006/chartDrawing" xmlns:wne="http://schemas.microsoft.com/office/powerpoint/2006/powerpointml" xmlns:wp="http://schemas.openxmlformats.org/drawingml/2006/powerpointprocessingDrawing" xmlns:v="urn:schemas-microsoft-com:vml" xmlns:o="urn:schemas-microsoft-com:office:office" xmlns="" val="1"/>
             </a:ext>
           </a:extLst>
         </p:spPr>
@@ -33184,7 +33214,7 @@
           <a:ln/>
           <a:extLst>
             <a:ext uri="{FAA26D3D-D897-4be2-8F04-BA451C77F1D7}">
-              <ma14:placeholderFlag xmlns="" xmlns:o="urn:schemas-microsoft-com:office:office" xmlns:v="urn:schemas-microsoft-com:vml" xmlns:wp="http://schemas.openxmlformats.org/drawingml/2006/powerpointprocessingDrawing" xmlns:wne="http://schemas.microsoft.com/office/powerpoint/2006/powerpointml" xmlns:cdr="http://schemas.openxmlformats.org/drawingml/2006/chartDrawing" xmlns:dgm="http://schemas.openxmlformats.org/drawingml/2006/diagram" xmlns:c="http://schemas.openxmlformats.org/drawingml/2006/chart" xmlns:a14="http://schemas.microsoft.com/office/drawing/2010/main" xmlns:mc="http://schemas.openxmlformats.org/markup-compatibility/2006" xmlns:ma14="http://schemas.microsoft.com/office/mac/drawingml/2011/main" val="1"/>
+              <ma14:placeholderFlag xmlns:ma14="http://schemas.microsoft.com/office/mac/drawingml/2011/main" xmlns:mc="http://schemas.openxmlformats.org/markup-compatibility/2006" xmlns:a14="http://schemas.microsoft.com/office/drawing/2010/main" xmlns:c="http://schemas.openxmlformats.org/drawingml/2006/chart" xmlns:dgm="http://schemas.openxmlformats.org/drawingml/2006/diagram" xmlns:cdr="http://schemas.openxmlformats.org/drawingml/2006/chartDrawing" xmlns:wne="http://schemas.microsoft.com/office/powerpoint/2006/powerpointml" xmlns:wp="http://schemas.openxmlformats.org/drawingml/2006/powerpointprocessingDrawing" xmlns:v="urn:schemas-microsoft-com:vml" xmlns:o="urn:schemas-microsoft-com:office:office" xmlns="" val="1"/>
             </a:ext>
           </a:extLst>
         </p:spPr>
